--- a/Python&appscript/4/function.pptx
+++ b/Python&appscript/4/function.pptx
@@ -5,30 +5,31 @@
     <p:sldMasterId id="2147483685" r:id="rId1"/>
   </p:sldMasterIdLst>
   <p:notesMasterIdLst>
-    <p:notesMasterId r:id="rId8"/>
+    <p:notesMasterId r:id="rId9"/>
   </p:notesMasterIdLst>
   <p:sldIdLst>
     <p:sldId id="256" r:id="rId2"/>
     <p:sldId id="260" r:id="rId3"/>
     <p:sldId id="352" r:id="rId4"/>
-    <p:sldId id="363" r:id="rId5"/>
-    <p:sldId id="362" r:id="rId6"/>
-    <p:sldId id="364" r:id="rId7"/>
+    <p:sldId id="365" r:id="rId5"/>
+    <p:sldId id="363" r:id="rId6"/>
+    <p:sldId id="362" r:id="rId7"/>
+    <p:sldId id="364" r:id="rId8"/>
   </p:sldIdLst>
   <p:sldSz cx="9144000" cy="5143500" type="screen16x9"/>
   <p:notesSz cx="6858000" cy="9144000"/>
   <p:embeddedFontLst>
     <p:embeddedFont>
       <p:font typeface="Play" panose="020B0600000101010101" charset="0"/>
-      <p:regular r:id="rId9"/>
-      <p:bold r:id="rId10"/>
+      <p:regular r:id="rId10"/>
+      <p:bold r:id="rId11"/>
     </p:embeddedFont>
     <p:embeddedFont>
       <p:font typeface="Source Sans Pro" panose="020B0503030403020204" pitchFamily="34" charset="0"/>
-      <p:regular r:id="rId11"/>
-      <p:bold r:id="rId12"/>
-      <p:italic r:id="rId13"/>
-      <p:boldItalic r:id="rId14"/>
+      <p:regular r:id="rId12"/>
+      <p:bold r:id="rId13"/>
+      <p:italic r:id="rId14"/>
+      <p:boldItalic r:id="rId15"/>
     </p:embeddedFont>
   </p:embeddedFontLst>
   <p:defaultTextStyle>
@@ -36657,6 +36658,116 @@
   <p:cSld>
     <p:spTree>
       <p:nvGrpSpPr>
+        <p:cNvPr id="1" name=""/>
+        <p:cNvGrpSpPr/>
+        <p:nvPr/>
+      </p:nvGrpSpPr>
+      <p:grpSpPr>
+        <a:xfrm>
+          <a:off x="0" y="0"/>
+          <a:ext cx="0" cy="0"/>
+          <a:chOff x="0" y="0"/>
+          <a:chExt cx="0" cy="0"/>
+        </a:xfrm>
+      </p:grpSpPr>
+      <p:sp>
+        <p:nvSpPr>
+          <p:cNvPr id="2" name="제목 1">
+            <a:extLst>
+              <a:ext uri="{FF2B5EF4-FFF2-40B4-BE49-F238E27FC236}">
+                <a16:creationId xmlns:a16="http://schemas.microsoft.com/office/drawing/2014/main" id="{842FF6E3-604F-6AA2-3646-5803E3AD6377}"/>
+              </a:ext>
+            </a:extLst>
+          </p:cNvPr>
+          <p:cNvSpPr>
+            <a:spLocks noGrp="1"/>
+          </p:cNvSpPr>
+          <p:nvPr>
+            <p:ph type="title"/>
+          </p:nvPr>
+        </p:nvSpPr>
+        <p:spPr/>
+        <p:txBody>
+          <a:bodyPr/>
+          <a:lstStyle/>
+          <a:p>
+            <a:endParaRPr lang="ko-KR" altLang="en-US"/>
+          </a:p>
+        </p:txBody>
+      </p:sp>
+      <p:sp>
+        <p:nvSpPr>
+          <p:cNvPr id="3" name="텍스트 개체 틀 2">
+            <a:extLst>
+              <a:ext uri="{FF2B5EF4-FFF2-40B4-BE49-F238E27FC236}">
+                <a16:creationId xmlns:a16="http://schemas.microsoft.com/office/drawing/2014/main" id="{B7FAF0A6-9504-321F-BDE5-9E631D50FC1E}"/>
+              </a:ext>
+            </a:extLst>
+          </p:cNvPr>
+          <p:cNvSpPr>
+            <a:spLocks noGrp="1"/>
+          </p:cNvSpPr>
+          <p:nvPr>
+            <p:ph type="body" idx="1"/>
+          </p:nvPr>
+        </p:nvSpPr>
+        <p:spPr/>
+        <p:txBody>
+          <a:bodyPr/>
+          <a:lstStyle/>
+          <a:p>
+            <a:endParaRPr lang="ko-KR" altLang="en-US"/>
+          </a:p>
+        </p:txBody>
+      </p:sp>
+      <p:pic>
+        <p:nvPicPr>
+          <p:cNvPr id="5" name="그림 4">
+            <a:extLst>
+              <a:ext uri="{FF2B5EF4-FFF2-40B4-BE49-F238E27FC236}">
+                <a16:creationId xmlns:a16="http://schemas.microsoft.com/office/drawing/2014/main" id="{19B932B2-5006-9A69-AFDD-1861BED7A799}"/>
+              </a:ext>
+            </a:extLst>
+          </p:cNvPr>
+          <p:cNvPicPr>
+            <a:picLocks noChangeAspect="1"/>
+          </p:cNvPicPr>
+          <p:nvPr/>
+        </p:nvPicPr>
+        <p:blipFill>
+          <a:blip r:embed="rId2"/>
+          <a:stretch>
+            <a:fillRect/>
+          </a:stretch>
+        </p:blipFill>
+        <p:spPr>
+          <a:xfrm>
+            <a:off x="2419801" y="492095"/>
+            <a:ext cx="3523800" cy="4076805"/>
+          </a:xfrm>
+          <a:prstGeom prst="rect">
+            <a:avLst/>
+          </a:prstGeom>
+        </p:spPr>
+      </p:pic>
+    </p:spTree>
+    <p:extLst>
+      <p:ext uri="{BB962C8B-B14F-4D97-AF65-F5344CB8AC3E}">
+        <p14:creationId xmlns:p14="http://schemas.microsoft.com/office/powerpoint/2010/main" val="199103197"/>
+      </p:ext>
+    </p:extLst>
+  </p:cSld>
+  <p:clrMapOvr>
+    <a:masterClrMapping/>
+  </p:clrMapOvr>
+</p:sld>
+</file>
+
+<file path=ppt/slides/slide5.xml><?xml version="1.0" encoding="utf-8"?>
+<p:sld xmlns:a="http://schemas.openxmlformats.org/drawingml/2006/main" xmlns:r="http://schemas.openxmlformats.org/officeDocument/2006/relationships" xmlns:p="http://schemas.openxmlformats.org/presentationml/2006/main">
+  <p:cSld>
+    <p:spTree>
+      <p:nvGrpSpPr>
         <p:cNvPr id="1" name="Shape 2694"/>
         <p:cNvGrpSpPr/>
         <p:nvPr/>
@@ -37274,7 +37385,7 @@
 </p:sld>
 </file>
 
-<file path=ppt/slides/slide5.xml><?xml version="1.0" encoding="utf-8"?>
+<file path=ppt/slides/slide6.xml><?xml version="1.0" encoding="utf-8"?>
 <p:sld xmlns:a="http://schemas.openxmlformats.org/drawingml/2006/main" xmlns:r="http://schemas.openxmlformats.org/officeDocument/2006/relationships" xmlns:p="http://schemas.openxmlformats.org/presentationml/2006/main">
   <p:cSld>
     <p:spTree>
@@ -37491,7 +37602,7 @@
 </p:sld>
 </file>
 
-<file path=ppt/slides/slide6.xml><?xml version="1.0" encoding="utf-8"?>
+<file path=ppt/slides/slide7.xml><?xml version="1.0" encoding="utf-8"?>
 <p:sld xmlns:a="http://schemas.openxmlformats.org/drawingml/2006/main" xmlns:r="http://schemas.openxmlformats.org/officeDocument/2006/relationships" xmlns:p="http://schemas.openxmlformats.org/presentationml/2006/main">
   <p:cSld>
     <p:spTree>
